--- a/betterposter-template-landscape.pptx
+++ b/betterposter-template-landscape.pptx
@@ -4173,7 +4173,7 @@
         <p:spPr>
           <a:xfrm>
             <a:off x="37728189" y="856484"/>
-            <a:ext cx="11365482" cy="8201028"/>
+            <a:ext cx="11365482" cy="10793852"/>
           </a:xfrm>
           <a:prstGeom prst="rect">
             <a:avLst/>
@@ -4198,10 +4198,6 @@
               </a:rPr>
               <a:t>Results</a:t>
             </a:r>
-            <a:endParaRPr lang="en-US" sz="4000" b="1" dirty="0">
-              <a:latin typeface="Lato Black" panose="020F0A02020204030203" pitchFamily="34" charset="0"/>
-              <a:cs typeface="Arial" panose="020B0604020202020204" pitchFamily="34" charset="0"/>
-            </a:endParaRPr>
           </a:p>
           <a:p>
             <a:pPr marL="571500" indent="-571500" algn="just">
@@ -4216,7 +4212,7 @@
                 <a:latin typeface="Lato" panose="020F0502020204030203" pitchFamily="34" charset="0"/>
                 <a:cs typeface="Arial" panose="020B0604020202020204" pitchFamily="34" charset="0"/>
               </a:rPr>
-              <a:t>Linear Regression predicted the best for fair amount</a:t>
+              <a:t>Ridge seems to be the most consistent performer on regression across all datasets, particularly in terms of balancing RMSE, MAE, and R².</a:t>
             </a:r>
           </a:p>
           <a:p>
@@ -4227,13 +4223,10 @@
               <a:buFont typeface="Arial" panose="020B0604020202020204" pitchFamily="34" charset="0"/>
               <a:buChar char="•"/>
             </a:pPr>
-            <a:r>
-              <a:rPr lang="en-US" sz="4800" dirty="0">
-                <a:latin typeface="Lato" panose="020F0502020204030203" pitchFamily="34" charset="0"/>
-                <a:cs typeface="Arial" panose="020B0604020202020204" pitchFamily="34" charset="0"/>
-              </a:rPr>
-              <a:t>Increasing population density leads to traffic congestion and fluctuating ride demands.</a:t>
-            </a:r>
+            <a:endParaRPr lang="en-US" sz="4800" dirty="0">
+              <a:latin typeface="Lato" panose="020F0502020204030203" pitchFamily="34" charset="0"/>
+              <a:cs typeface="Arial" panose="020B0604020202020204" pitchFamily="34" charset="0"/>
+            </a:endParaRPr>
           </a:p>
           <a:p>
             <a:pPr marL="571500" indent="-571500" algn="just">
@@ -4248,8 +4241,17 @@
                 <a:latin typeface="Lato" panose="020F0502020204030203" pitchFamily="34" charset="0"/>
                 <a:cs typeface="Arial" panose="020B0604020202020204" pitchFamily="34" charset="0"/>
               </a:rPr>
-              <a:t>NYC heavily relies on its diverse modes of transit, including taxis subways and rideshares.</a:t>
-            </a:r>
+              <a:t>Random Forest and Decision Tree consistently perform the best across all metrics, scoring 0.950 in accuracy, precision, and recall, and 0.948 in F1 score.</a:t>
+            </a:r>
+          </a:p>
+          <a:p>
+            <a:pPr marL="571500" indent="-571500" algn="just">
+              <a:lnSpc>
+                <a:spcPct val="120000"/>
+              </a:lnSpc>
+              <a:buFont typeface="Arial" panose="020B0604020202020204" pitchFamily="34" charset="0"/>
+              <a:buChar char="•"/>
+            </a:pPr>
             <a:endParaRPr lang="en-US" sz="4400" dirty="0">
               <a:latin typeface="Lato" panose="020F0502020204030203" pitchFamily="34" charset="0"/>
               <a:cs typeface="Arial" panose="020B0604020202020204" pitchFamily="34" charset="0"/>
@@ -4350,10 +4352,10 @@
       </p:sp>
       <p:pic>
         <p:nvPicPr>
-          <p:cNvPr id="5" name="Picture 4">
+          <p:cNvPr id="7" name="Picture 6">
             <a:extLst>
               <a:ext uri="{FF2B5EF4-FFF2-40B4-BE49-F238E27FC236}">
-                <a16:creationId xmlns:a16="http://schemas.microsoft.com/office/drawing/2014/main" id="{126CEC1E-40A2-2E44-E09D-618901C61B49}"/>
+                <a16:creationId xmlns:a16="http://schemas.microsoft.com/office/drawing/2014/main" id="{26006818-65AD-FE91-93F7-BC81500A9140}"/>
               </a:ext>
             </a:extLst>
           </p:cNvPr>
@@ -4370,8 +4372,8 @@
         </p:blipFill>
         <p:spPr>
           <a:xfrm>
-            <a:off x="37033673" y="19887135"/>
-            <a:ext cx="12059998" cy="7187272"/>
+            <a:off x="36966597" y="10089635"/>
+            <a:ext cx="12059998" cy="9312458"/>
           </a:xfrm>
           <a:prstGeom prst="rect">
             <a:avLst/>
@@ -4380,10 +4382,10 @@
       </p:pic>
       <p:pic>
         <p:nvPicPr>
-          <p:cNvPr id="7" name="Picture 6">
+          <p:cNvPr id="6" name="Picture 5">
             <a:extLst>
               <a:ext uri="{FF2B5EF4-FFF2-40B4-BE49-F238E27FC236}">
-                <a16:creationId xmlns:a16="http://schemas.microsoft.com/office/drawing/2014/main" id="{26006818-65AD-FE91-93F7-BC81500A9140}"/>
+                <a16:creationId xmlns:a16="http://schemas.microsoft.com/office/drawing/2014/main" id="{F4B4D5C1-34DE-E950-11B3-6C81FFEE2C05}"/>
               </a:ext>
             </a:extLst>
           </p:cNvPr>
@@ -4400,8 +4402,8 @@
         </p:blipFill>
         <p:spPr>
           <a:xfrm>
-            <a:off x="36966597" y="10089635"/>
-            <a:ext cx="12059998" cy="9312458"/>
+            <a:off x="37075632" y="19875203"/>
+            <a:ext cx="12059998" cy="8010301"/>
           </a:xfrm>
           <a:prstGeom prst="rect">
             <a:avLst/>
